--- a/Architechture Diagram Draft.pptx
+++ b/Architechture Diagram Draft.pptx
@@ -104,6 +104,11 @@
       </a:defRPr>
     </a:lvl9pPr>
   </p:defaultTextStyle>
+  <p:extLst>
+    <p:ext uri="{EFAFB233-063F-42B5-8137-9DF3F51BA10A}">
+      <p15:sldGuideLst xmlns:p15="http://schemas.microsoft.com/office/powerpoint/2012/main"/>
+    </p:ext>
+  </p:extLst>
 </p:presentation>
 </file>
 
@@ -3335,7 +3340,7 @@
         </p:nvSpPr>
         <p:spPr>
           <a:xfrm>
-            <a:off x="523702" y="290946"/>
+            <a:off x="523702" y="174564"/>
             <a:ext cx="10457411" cy="1213658"/>
           </a:xfrm>
           <a:prstGeom prst="rect">
@@ -3410,7 +3415,7 @@
         </p:nvSpPr>
         <p:spPr>
           <a:xfrm>
-            <a:off x="3640974" y="2704021"/>
+            <a:off x="1305097" y="2704021"/>
             <a:ext cx="7340139" cy="3857105"/>
           </a:xfrm>
           <a:prstGeom prst="rect">
@@ -3449,10 +3454,16 @@
                   <a:sysClr val="windowText" lastClr="000000"/>
                 </a:solidFill>
               </a:rPr>
-              <a:t>    Traffic.py</a:t>
-            </a:r>
-          </a:p>
-          <a:p>
+              <a:t>    </a:t>
+            </a:r>
+            <a:r>
+              <a:rPr lang="en-US" dirty="0" err="1">
+                <a:solidFill>
+                  <a:sysClr val="windowText" lastClr="000000"/>
+                </a:solidFill>
+              </a:rPr>
+              <a:t>TrafficManager</a:t>
+            </a:r>
             <a:endParaRPr lang="en-US" dirty="0">
               <a:solidFill>
                 <a:sysClr val="windowText" lastClr="000000"/>
@@ -3460,6 +3471,16 @@
             </a:endParaRPr>
           </a:p>
           <a:p>
+            <a:r>
+              <a:rPr lang="en-US" dirty="0">
+                <a:solidFill>
+                  <a:sysClr val="windowText" lastClr="000000"/>
+                </a:solidFill>
+              </a:rPr>
+              <a:t>    Ecosystem</a:t>
+            </a:r>
+          </a:p>
+          <a:p>
             <a:endParaRPr lang="en-US" dirty="0">
               <a:solidFill>
                 <a:sysClr val="windowText" lastClr="000000"/>
@@ -3545,7 +3566,7 @@
         </p:nvSpPr>
         <p:spPr>
           <a:xfrm>
-            <a:off x="6320443" y="3078092"/>
+            <a:off x="3984566" y="3078092"/>
             <a:ext cx="1903615" cy="473825"/>
           </a:xfrm>
           <a:prstGeom prst="rect">
@@ -3612,7 +3633,7 @@
         </p:nvSpPr>
         <p:spPr>
           <a:xfrm>
-            <a:off x="6320442" y="4312530"/>
+            <a:off x="3984565" y="4312530"/>
             <a:ext cx="1903615" cy="473825"/>
           </a:xfrm>
           <a:prstGeom prst="rect">
@@ -3674,7 +3695,7 @@
         </p:nvSpPr>
         <p:spPr>
           <a:xfrm>
-            <a:off x="6320443" y="5546969"/>
+            <a:off x="3984566" y="5546969"/>
             <a:ext cx="1903615" cy="473825"/>
           </a:xfrm>
           <a:prstGeom prst="rect">
@@ -3736,7 +3757,7 @@
         </p:nvSpPr>
         <p:spPr>
           <a:xfrm>
-            <a:off x="4067688" y="5546969"/>
+            <a:off x="1731811" y="5546969"/>
             <a:ext cx="1903615" cy="473825"/>
           </a:xfrm>
           <a:prstGeom prst="rect">
@@ -3798,7 +3819,7 @@
         </p:nvSpPr>
         <p:spPr>
           <a:xfrm>
-            <a:off x="8573198" y="5546969"/>
+            <a:off x="6237321" y="5546969"/>
             <a:ext cx="1903615" cy="473825"/>
           </a:xfrm>
           <a:prstGeom prst="rect">
@@ -3860,7 +3881,7 @@
         </p:nvSpPr>
         <p:spPr>
           <a:xfrm>
-            <a:off x="6320441" y="731518"/>
+            <a:off x="6320441" y="615136"/>
             <a:ext cx="1903615" cy="473825"/>
           </a:xfrm>
           <a:prstGeom prst="rect">
@@ -3919,7 +3940,7 @@
         </p:nvSpPr>
         <p:spPr>
           <a:xfrm>
-            <a:off x="3967945" y="731515"/>
+            <a:off x="3967945" y="615133"/>
             <a:ext cx="1903615" cy="473825"/>
           </a:xfrm>
           <a:prstGeom prst="rect">
@@ -4013,7 +4034,7 @@
         </p:nvSpPr>
         <p:spPr>
           <a:xfrm>
-            <a:off x="8672937" y="739823"/>
+            <a:off x="8672937" y="623441"/>
             <a:ext cx="1903615" cy="473825"/>
           </a:xfrm>
           <a:prstGeom prst="rect">
@@ -4112,7 +4133,7 @@
         </p:nvSpPr>
         <p:spPr>
           <a:xfrm>
-            <a:off x="1615448" y="739823"/>
+            <a:off x="1615448" y="623441"/>
             <a:ext cx="1903615" cy="473825"/>
           </a:xfrm>
           <a:prstGeom prst="rect">
@@ -4195,7 +4216,7 @@
         </p:nvSpPr>
         <p:spPr>
           <a:xfrm>
-            <a:off x="3589718" y="889451"/>
+            <a:off x="3589718" y="773069"/>
             <a:ext cx="307571" cy="174567"/>
           </a:xfrm>
           <a:prstGeom prst="rightArrow">
@@ -4244,7 +4265,7 @@
         </p:nvSpPr>
         <p:spPr>
           <a:xfrm>
-            <a:off x="5942214" y="889451"/>
+            <a:off x="5942214" y="773069"/>
             <a:ext cx="307571" cy="174567"/>
           </a:xfrm>
           <a:prstGeom prst="rightArrow">
@@ -4293,7 +4314,7 @@
         </p:nvSpPr>
         <p:spPr>
           <a:xfrm flipH="1">
-            <a:off x="8293325" y="881143"/>
+            <a:off x="8293325" y="764761"/>
             <a:ext cx="307571" cy="174567"/>
           </a:xfrm>
           <a:prstGeom prst="rightArrow">
@@ -4342,8 +4363,8 @@
         </p:nvSpPr>
         <p:spPr>
           <a:xfrm rot="16200000" flipV="1">
-            <a:off x="6537647" y="2042762"/>
-            <a:ext cx="1697030" cy="178270"/>
+            <a:off x="6659843" y="1804181"/>
+            <a:ext cx="1452637" cy="178271"/>
           </a:xfrm>
           <a:prstGeom prst="rightArrow">
             <a:avLst/>
@@ -4391,7 +4412,7 @@
         </p:nvSpPr>
         <p:spPr>
           <a:xfrm>
-            <a:off x="5502370" y="1438651"/>
+            <a:off x="5495795" y="1357752"/>
             <a:ext cx="1571106" cy="1261884"/>
           </a:xfrm>
           <a:prstGeom prst="rect">
@@ -4652,7 +4673,7 @@
         </p:nvGrpSpPr>
         <p:grpSpPr>
           <a:xfrm>
-            <a:off x="581197" y="5321300"/>
+            <a:off x="9342297" y="4420536"/>
             <a:ext cx="2185858" cy="815608"/>
             <a:chOff x="581197" y="5321300"/>
             <a:chExt cx="2185858" cy="815608"/>
@@ -4822,8 +4843,8 @@
         </p:nvSpPr>
         <p:spPr>
           <a:xfrm rot="5400000">
-            <a:off x="6277328" y="2046419"/>
-            <a:ext cx="1689716" cy="178270"/>
+            <a:off x="6398996" y="1807309"/>
+            <a:ext cx="1446381" cy="178271"/>
           </a:xfrm>
           <a:prstGeom prst="rightArrow">
             <a:avLst/>
@@ -4874,7 +4895,7 @@
         </p:nvSpPr>
         <p:spPr>
           <a:xfrm rot="5400000">
-            <a:off x="6832720" y="3850743"/>
+            <a:off x="4496843" y="3850743"/>
             <a:ext cx="585038" cy="178271"/>
           </a:xfrm>
           <a:prstGeom prst="rightArrow">
@@ -4926,7 +4947,7 @@
         </p:nvSpPr>
         <p:spPr>
           <a:xfrm rot="16200000" flipV="1">
-            <a:off x="7093644" y="3850744"/>
+            <a:off x="4757767" y="3850744"/>
             <a:ext cx="585037" cy="178270"/>
           </a:xfrm>
           <a:prstGeom prst="rightArrow">
@@ -4975,7 +4996,7 @@
         </p:nvSpPr>
         <p:spPr>
           <a:xfrm rot="5400000">
-            <a:off x="6832720" y="5067777"/>
+            <a:off x="4496843" y="5067777"/>
             <a:ext cx="585038" cy="178271"/>
           </a:xfrm>
           <a:prstGeom prst="rightArrow">
@@ -5027,7 +5048,7 @@
         </p:nvSpPr>
         <p:spPr>
           <a:xfrm rot="16200000" flipV="1">
-            <a:off x="7093644" y="5067778"/>
+            <a:off x="4757767" y="5067778"/>
             <a:ext cx="585037" cy="178270"/>
           </a:xfrm>
           <a:prstGeom prst="rightArrow">
@@ -5076,7 +5097,7 @@
         </p:nvSpPr>
         <p:spPr>
           <a:xfrm rot="7640509">
-            <a:off x="5112416" y="4911401"/>
+            <a:off x="2776539" y="4911401"/>
             <a:ext cx="1007381" cy="190465"/>
           </a:xfrm>
           <a:prstGeom prst="rightArrow">
@@ -5128,7 +5149,7 @@
         </p:nvSpPr>
         <p:spPr>
           <a:xfrm rot="18440509" flipV="1">
-            <a:off x="5373341" y="4911404"/>
+            <a:off x="3037464" y="4911404"/>
             <a:ext cx="1007379" cy="190464"/>
           </a:xfrm>
           <a:prstGeom prst="rightArrow">
@@ -5177,7 +5198,7 @@
         </p:nvSpPr>
         <p:spPr>
           <a:xfrm rot="13959491" flipH="1">
-            <a:off x="8158926" y="4895984"/>
+            <a:off x="5823049" y="4895984"/>
             <a:ext cx="1007381" cy="190465"/>
           </a:xfrm>
           <a:prstGeom prst="rightArrow">
@@ -5229,7 +5250,7 @@
         </p:nvSpPr>
         <p:spPr>
           <a:xfrm rot="3159491" flipH="1" flipV="1">
-            <a:off x="8419851" y="4895987"/>
+            <a:off x="6083974" y="4895987"/>
             <a:ext cx="1007379" cy="190464"/>
           </a:xfrm>
           <a:prstGeom prst="rightArrow">
@@ -5278,7 +5299,7 @@
         </p:nvSpPr>
         <p:spPr>
           <a:xfrm rot="10800000" flipV="1">
-            <a:off x="8245877" y="5585186"/>
+            <a:off x="5910000" y="5585186"/>
             <a:ext cx="278823" cy="198695"/>
           </a:xfrm>
           <a:prstGeom prst="rightArrow">
@@ -5327,7 +5348,7 @@
         </p:nvSpPr>
         <p:spPr>
           <a:xfrm rot="10800000" flipH="1" flipV="1">
-            <a:off x="8272556" y="5778162"/>
+            <a:off x="5936679" y="5778162"/>
             <a:ext cx="278823" cy="198695"/>
           </a:xfrm>
           <a:prstGeom prst="rightArrow">
@@ -5379,7 +5400,7 @@
         </p:nvSpPr>
         <p:spPr>
           <a:xfrm rot="10800000" flipV="1">
-            <a:off x="5982421" y="5576878"/>
+            <a:off x="3646544" y="5576878"/>
             <a:ext cx="278823" cy="198695"/>
           </a:xfrm>
           <a:prstGeom prst="rightArrow">
@@ -5428,7 +5449,7 @@
         </p:nvSpPr>
         <p:spPr>
           <a:xfrm rot="10800000" flipH="1" flipV="1">
-            <a:off x="6009100" y="5769854"/>
+            <a:off x="3673223" y="5769854"/>
             <a:ext cx="278823" cy="198695"/>
           </a:xfrm>
           <a:prstGeom prst="rightArrow">
@@ -5480,7 +5501,7 @@
         </p:nvSpPr>
         <p:spPr>
           <a:xfrm>
-            <a:off x="7398725" y="1441732"/>
+            <a:off x="7430494" y="1383330"/>
             <a:ext cx="3004732" cy="646331"/>
           </a:xfrm>
           <a:prstGeom prst="rect">
